--- a/documentation/Project_persentation.pptx
+++ b/documentation/Project_persentation.pptx
@@ -3398,14 +3398,14 @@
           <a:p>
             <a:r>
               <a:rPr lang="en-US" sz="5400" dirty="0"/>
-              <a:t>SCS3253010 </a:t>
+              <a:t>Machine Learning SCS3253010 </a:t>
             </a:r>
             <a:br>
               <a:rPr lang="en-US" sz="5400" dirty="0"/>
             </a:br>
             <a:r>
               <a:rPr lang="en-US" sz="5400" dirty="0"/>
-              <a:t>Machine Learning Project</a:t>
+              <a:t>Term Project</a:t>
             </a:r>
           </a:p>
         </p:txBody>
@@ -3432,6 +3432,10 @@
           <a:lstStyle/>
           <a:p>
             <a:r>
+              <a:rPr lang="en-US" dirty="0"/>
+              <a:t>G2: </a:t>
+            </a:r>
+            <a:r>
               <a:rPr lang="en-US" dirty="0" err="1"/>
               <a:t>Jianhong</a:t>
             </a:r>
@@ -3446,6 +3450,12 @@
             <a:r>
               <a:rPr lang="en-US" dirty="0"/>
               <a:t> Chen</a:t>
+            </a:r>
+          </a:p>
+          <a:p>
+            <a:r>
+              <a:rPr lang="en-US" dirty="0"/>
+              <a:t>April 16, 2019</a:t>
             </a:r>
           </a:p>
         </p:txBody>
@@ -3537,23 +3547,7 @@
           <a:p>
             <a:r>
               <a:rPr lang="en-US" dirty="0"/>
-              <a:t>Both </a:t>
-            </a:r>
-            <a:r>
-              <a:rPr lang="en-US" dirty="0" err="1"/>
-              <a:t>Keras</a:t>
-            </a:r>
-            <a:r>
-              <a:rPr lang="en-US" dirty="0"/>
-              <a:t> and SVM have been performing well to predict the results (with </a:t>
-            </a:r>
-            <a:r>
-              <a:rPr lang="en-US" dirty="0" err="1"/>
-              <a:t>Keras</a:t>
-            </a:r>
-            <a:r>
-              <a:rPr lang="en-US" dirty="0"/>
-              <a:t> being slightly better)</a:t>
+              <a:t>Both NN and SVM have been performing well to predict the results (with NN slightly better)</a:t>
             </a:r>
           </a:p>
           <a:p>
@@ -4386,13 +4380,13 @@
           <a:p>
             <a:r>
               <a:rPr lang="en-US" dirty="0"/>
-              <a:t>Experimented with various Classification Models such as KNN, SVM, Random Forest, Logistic Regression, SVM is shown to produce best results.</a:t>
-            </a:r>
-          </a:p>
-          <a:p>
-            <a:r>
-              <a:rPr lang="en-US" dirty="0"/>
-              <a:t>Applied 5 fold cross valuation for data training</a:t>
+              <a:t>Experimented with various Classification Models such as KNN, SVM, Random Forest, Logistic Regression. SVM produced best results.</a:t>
+            </a:r>
+          </a:p>
+          <a:p>
+            <a:r>
+              <a:rPr lang="en-US" dirty="0"/>
+              <a:t>Applied 5-fold cross validation for data training</a:t>
             </a:r>
           </a:p>
           <a:p>
@@ -5300,7 +5294,15 @@
           <a:p>
             <a:r>
               <a:rPr lang="en-US" dirty="0"/>
-              <a:t>Created a Sequential NN with 5 layers (input/output + 3 hidden layers). Another feature we added was 'dropout' which avoided overfitting and reduced running time.</a:t>
+              <a:t>Created a Sequential NN with 5 layers (input/output + 3 hidden layers). Another feature we added was 'dropout' which avoided overfitting and </a:t>
+            </a:r>
+            <a:r>
+              <a:rPr lang="en-US"/>
+              <a:t>reduced run </a:t>
+            </a:r>
+            <a:r>
+              <a:rPr lang="en-US" dirty="0"/>
+              <a:t>time.</a:t>
             </a:r>
           </a:p>
           <a:p>
